--- a/Doc/Material.pptx
+++ b/Doc/Material.pptx
@@ -5397,6 +5397,30 @@
           </a:p>
         </p:txBody>
       </p:sp>
+      <p:pic>
+        <p:nvPicPr>
+          <p:cNvPr id="4" name="图片 3" descr="1"/>
+          <p:cNvPicPr>
+            <a:picLocks noChangeAspect="1"/>
+          </p:cNvPicPr>
+          <p:nvPr/>
+        </p:nvPicPr>
+        <p:blipFill>
+          <a:blip r:embed="rId2"/>
+          <a:stretch>
+            <a:fillRect/>
+          </a:stretch>
+        </p:blipFill>
+        <p:spPr>
+          <a:xfrm>
+            <a:off x="6830695" y="1191260"/>
+            <a:ext cx="4876800" cy="609600"/>
+          </a:xfrm>
+          <a:prstGeom prst="rect">
+            <a:avLst/>
+          </a:prstGeom>
+        </p:spPr>
+      </p:pic>
     </p:spTree>
   </p:cSld>
   <p:clrMapOvr>
